--- a/Diagnostics/local/Linear_theory/mass25/temp50_mass25_gamma_annotated.pptx
+++ b/Diagnostics/local/Linear_theory/mass25/temp50_mass25_gamma_annotated.pptx
@@ -107,6 +107,11 @@
       </a:defRPr>
     </a:lvl9pPr>
   </p:defaultTextStyle>
+  <p:extLst>
+    <p:ext uri="{EFAFB233-063F-42B5-8137-9DF3F51BA10A}">
+      <p15:sldGuideLst xmlns:p15="http://schemas.microsoft.com/office/powerpoint/2012/main"/>
+    </p:ext>
+  </p:extLst>
 </p:presentation>
 </file>
 
@@ -192,7 +197,7 @@
           <a:p>
             <a:fld id="{DF45CB31-2FD0-634B-A1CF-AA27AC41B0C9}" type="datetimeFigureOut">
               <a:rPr lang="en-US" smtClean="0"/>
-              <a:t>7/18/22</a:t>
+              <a:t>6/5/23</a:t>
             </a:fld>
             <a:endParaRPr lang="en-US"/>
           </a:p>
@@ -679,7 +684,7 @@
           <a:p>
             <a:fld id="{7D9CAEAA-C193-1D4F-8649-D9B2FEB16881}" type="datetimeFigureOut">
               <a:rPr lang="en-US" smtClean="0"/>
-              <a:t>7/18/22</a:t>
+              <a:t>6/5/23</a:t>
             </a:fld>
             <a:endParaRPr lang="en-US"/>
           </a:p>
@@ -849,7 +854,7 @@
           <a:p>
             <a:fld id="{7D9CAEAA-C193-1D4F-8649-D9B2FEB16881}" type="datetimeFigureOut">
               <a:rPr lang="en-US" smtClean="0"/>
-              <a:t>7/18/22</a:t>
+              <a:t>6/5/23</a:t>
             </a:fld>
             <a:endParaRPr lang="en-US"/>
           </a:p>
@@ -1029,7 +1034,7 @@
           <a:p>
             <a:fld id="{7D9CAEAA-C193-1D4F-8649-D9B2FEB16881}" type="datetimeFigureOut">
               <a:rPr lang="en-US" smtClean="0"/>
-              <a:t>7/18/22</a:t>
+              <a:t>6/5/23</a:t>
             </a:fld>
             <a:endParaRPr lang="en-US"/>
           </a:p>
@@ -1199,7 +1204,7 @@
           <a:p>
             <a:fld id="{7D9CAEAA-C193-1D4F-8649-D9B2FEB16881}" type="datetimeFigureOut">
               <a:rPr lang="en-US" smtClean="0"/>
-              <a:t>7/18/22</a:t>
+              <a:t>6/5/23</a:t>
             </a:fld>
             <a:endParaRPr lang="en-US"/>
           </a:p>
@@ -1445,7 +1450,7 @@
           <a:p>
             <a:fld id="{7D9CAEAA-C193-1D4F-8649-D9B2FEB16881}" type="datetimeFigureOut">
               <a:rPr lang="en-US" smtClean="0"/>
-              <a:t>7/18/22</a:t>
+              <a:t>6/5/23</a:t>
             </a:fld>
             <a:endParaRPr lang="en-US"/>
           </a:p>
@@ -1677,7 +1682,7 @@
           <a:p>
             <a:fld id="{7D9CAEAA-C193-1D4F-8649-D9B2FEB16881}" type="datetimeFigureOut">
               <a:rPr lang="en-US" smtClean="0"/>
-              <a:t>7/18/22</a:t>
+              <a:t>6/5/23</a:t>
             </a:fld>
             <a:endParaRPr lang="en-US"/>
           </a:p>
@@ -2044,7 +2049,7 @@
           <a:p>
             <a:fld id="{7D9CAEAA-C193-1D4F-8649-D9B2FEB16881}" type="datetimeFigureOut">
               <a:rPr lang="en-US" smtClean="0"/>
-              <a:t>7/18/22</a:t>
+              <a:t>6/5/23</a:t>
             </a:fld>
             <a:endParaRPr lang="en-US"/>
           </a:p>
@@ -2162,7 +2167,7 @@
           <a:p>
             <a:fld id="{7D9CAEAA-C193-1D4F-8649-D9B2FEB16881}" type="datetimeFigureOut">
               <a:rPr lang="en-US" smtClean="0"/>
-              <a:t>7/18/22</a:t>
+              <a:t>6/5/23</a:t>
             </a:fld>
             <a:endParaRPr lang="en-US"/>
           </a:p>
@@ -2257,7 +2262,7 @@
           <a:p>
             <a:fld id="{7D9CAEAA-C193-1D4F-8649-D9B2FEB16881}" type="datetimeFigureOut">
               <a:rPr lang="en-US" smtClean="0"/>
-              <a:t>7/18/22</a:t>
+              <a:t>6/5/23</a:t>
             </a:fld>
             <a:endParaRPr lang="en-US"/>
           </a:p>
@@ -2534,7 +2539,7 @@
           <a:p>
             <a:fld id="{7D9CAEAA-C193-1D4F-8649-D9B2FEB16881}" type="datetimeFigureOut">
               <a:rPr lang="en-US" smtClean="0"/>
-              <a:t>7/18/22</a:t>
+              <a:t>6/5/23</a:t>
             </a:fld>
             <a:endParaRPr lang="en-US"/>
           </a:p>
@@ -2791,7 +2796,7 @@
           <a:p>
             <a:fld id="{7D9CAEAA-C193-1D4F-8649-D9B2FEB16881}" type="datetimeFigureOut">
               <a:rPr lang="en-US" smtClean="0"/>
-              <a:t>7/18/22</a:t>
+              <a:t>6/5/23</a:t>
             </a:fld>
             <a:endParaRPr lang="en-US"/>
           </a:p>
@@ -3004,7 +3009,7 @@
           <a:p>
             <a:fld id="{7D9CAEAA-C193-1D4F-8649-D9B2FEB16881}" type="datetimeFigureOut">
               <a:rPr lang="en-US" smtClean="0"/>
-              <a:t>7/18/22</a:t>
+              <a:t>6/5/23</a:t>
             </a:fld>
             <a:endParaRPr lang="en-US"/>
           </a:p>
@@ -3411,10 +3416,10 @@
       </p:grpSpPr>
       <p:pic>
         <p:nvPicPr>
-          <p:cNvPr id="10" name="Picture 9">
+          <p:cNvPr id="9" name="Picture 8">
             <a:extLst>
               <a:ext uri="{FF2B5EF4-FFF2-40B4-BE49-F238E27FC236}">
-                <a16:creationId xmlns:a16="http://schemas.microsoft.com/office/drawing/2014/main" id="{88CF5856-D3F2-B21D-D0E1-F1E0B284B2FB}"/>
+                <a16:creationId xmlns:a16="http://schemas.microsoft.com/office/drawing/2014/main" id="{B3491B2A-8AB9-14D8-4BB7-D50993679230}"/>
               </a:ext>
             </a:extLst>
           </p:cNvPr>
@@ -3425,13 +3430,13 @@
         </p:nvPicPr>
         <p:blipFill rotWithShape="1">
           <a:blip r:embed="rId3"/>
-          <a:srcRect l="3470" t="6326" r="9592" b="919"/>
+          <a:srcRect l="3444" t="7086" r="9404"/>
           <a:stretch/>
         </p:blipFill>
         <p:spPr>
           <a:xfrm>
-            <a:off x="0" y="-807"/>
-            <a:ext cx="6858000" cy="3658407"/>
+            <a:off x="0" y="0"/>
+            <a:ext cx="6858000" cy="3655689"/>
           </a:xfrm>
           <a:prstGeom prst="rect">
             <a:avLst/>
@@ -3535,7 +3540,7 @@
         <p:spPr>
           <a:xfrm>
             <a:off x="1291226" y="3097177"/>
-            <a:ext cx="3235229" cy="0"/>
+            <a:ext cx="3220218" cy="0"/>
           </a:xfrm>
           <a:prstGeom prst="straightConnector1">
             <a:avLst/>

--- a/Diagnostics/local/Linear_theory/mass25/temp50_mass25_gamma_annotated.pptx
+++ b/Diagnostics/local/Linear_theory/mass25/temp50_mass25_gamma_annotated.pptx
@@ -197,7 +197,7 @@
           <a:p>
             <a:fld id="{DF45CB31-2FD0-634B-A1CF-AA27AC41B0C9}" type="datetimeFigureOut">
               <a:rPr lang="en-US" smtClean="0"/>
-              <a:t>6/5/23</a:t>
+              <a:t>6/30/2023</a:t>
             </a:fld>
             <a:endParaRPr lang="en-US"/>
           </a:p>
@@ -684,7 +684,7 @@
           <a:p>
             <a:fld id="{7D9CAEAA-C193-1D4F-8649-D9B2FEB16881}" type="datetimeFigureOut">
               <a:rPr lang="en-US" smtClean="0"/>
-              <a:t>6/5/23</a:t>
+              <a:t>6/30/2023</a:t>
             </a:fld>
             <a:endParaRPr lang="en-US"/>
           </a:p>
@@ -854,7 +854,7 @@
           <a:p>
             <a:fld id="{7D9CAEAA-C193-1D4F-8649-D9B2FEB16881}" type="datetimeFigureOut">
               <a:rPr lang="en-US" smtClean="0"/>
-              <a:t>6/5/23</a:t>
+              <a:t>6/30/2023</a:t>
             </a:fld>
             <a:endParaRPr lang="en-US"/>
           </a:p>
@@ -1034,7 +1034,7 @@
           <a:p>
             <a:fld id="{7D9CAEAA-C193-1D4F-8649-D9B2FEB16881}" type="datetimeFigureOut">
               <a:rPr lang="en-US" smtClean="0"/>
-              <a:t>6/5/23</a:t>
+              <a:t>6/30/2023</a:t>
             </a:fld>
             <a:endParaRPr lang="en-US"/>
           </a:p>
@@ -1204,7 +1204,7 @@
           <a:p>
             <a:fld id="{7D9CAEAA-C193-1D4F-8649-D9B2FEB16881}" type="datetimeFigureOut">
               <a:rPr lang="en-US" smtClean="0"/>
-              <a:t>6/5/23</a:t>
+              <a:t>6/30/2023</a:t>
             </a:fld>
             <a:endParaRPr lang="en-US"/>
           </a:p>
@@ -1450,7 +1450,7 @@
           <a:p>
             <a:fld id="{7D9CAEAA-C193-1D4F-8649-D9B2FEB16881}" type="datetimeFigureOut">
               <a:rPr lang="en-US" smtClean="0"/>
-              <a:t>6/5/23</a:t>
+              <a:t>6/30/2023</a:t>
             </a:fld>
             <a:endParaRPr lang="en-US"/>
           </a:p>
@@ -1682,7 +1682,7 @@
           <a:p>
             <a:fld id="{7D9CAEAA-C193-1D4F-8649-D9B2FEB16881}" type="datetimeFigureOut">
               <a:rPr lang="en-US" smtClean="0"/>
-              <a:t>6/5/23</a:t>
+              <a:t>6/30/2023</a:t>
             </a:fld>
             <a:endParaRPr lang="en-US"/>
           </a:p>
@@ -2049,7 +2049,7 @@
           <a:p>
             <a:fld id="{7D9CAEAA-C193-1D4F-8649-D9B2FEB16881}" type="datetimeFigureOut">
               <a:rPr lang="en-US" smtClean="0"/>
-              <a:t>6/5/23</a:t>
+              <a:t>6/30/2023</a:t>
             </a:fld>
             <a:endParaRPr lang="en-US"/>
           </a:p>
@@ -2167,7 +2167,7 @@
           <a:p>
             <a:fld id="{7D9CAEAA-C193-1D4F-8649-D9B2FEB16881}" type="datetimeFigureOut">
               <a:rPr lang="en-US" smtClean="0"/>
-              <a:t>6/5/23</a:t>
+              <a:t>6/30/2023</a:t>
             </a:fld>
             <a:endParaRPr lang="en-US"/>
           </a:p>
@@ -2262,7 +2262,7 @@
           <a:p>
             <a:fld id="{7D9CAEAA-C193-1D4F-8649-D9B2FEB16881}" type="datetimeFigureOut">
               <a:rPr lang="en-US" smtClean="0"/>
-              <a:t>6/5/23</a:t>
+              <a:t>6/30/2023</a:t>
             </a:fld>
             <a:endParaRPr lang="en-US"/>
           </a:p>
@@ -2539,7 +2539,7 @@
           <a:p>
             <a:fld id="{7D9CAEAA-C193-1D4F-8649-D9B2FEB16881}" type="datetimeFigureOut">
               <a:rPr lang="en-US" smtClean="0"/>
-              <a:t>6/5/23</a:t>
+              <a:t>6/30/2023</a:t>
             </a:fld>
             <a:endParaRPr lang="en-US"/>
           </a:p>
@@ -2796,7 +2796,7 @@
           <a:p>
             <a:fld id="{7D9CAEAA-C193-1D4F-8649-D9B2FEB16881}" type="datetimeFigureOut">
               <a:rPr lang="en-US" smtClean="0"/>
-              <a:t>6/5/23</a:t>
+              <a:t>6/30/2023</a:t>
             </a:fld>
             <a:endParaRPr lang="en-US"/>
           </a:p>
@@ -3009,7 +3009,7 @@
           <a:p>
             <a:fld id="{7D9CAEAA-C193-1D4F-8649-D9B2FEB16881}" type="datetimeFigureOut">
               <a:rPr lang="en-US" smtClean="0"/>
-              <a:t>6/5/23</a:t>
+              <a:t>6/30/2023</a:t>
             </a:fld>
             <a:endParaRPr lang="en-US"/>
           </a:p>
@@ -3416,10 +3416,10 @@
       </p:grpSpPr>
       <p:pic>
         <p:nvPicPr>
-          <p:cNvPr id="9" name="Picture 8">
+          <p:cNvPr id="10" name="Picture 9">
             <a:extLst>
               <a:ext uri="{FF2B5EF4-FFF2-40B4-BE49-F238E27FC236}">
-                <a16:creationId xmlns:a16="http://schemas.microsoft.com/office/drawing/2014/main" id="{B3491B2A-8AB9-14D8-4BB7-D50993679230}"/>
+                <a16:creationId xmlns:a16="http://schemas.microsoft.com/office/drawing/2014/main" id="{216A8491-35D2-48A0-9F1B-F35B3AB2A034}"/>
               </a:ext>
             </a:extLst>
           </p:cNvPr>
@@ -3430,13 +3430,13 @@
         </p:nvPicPr>
         <p:blipFill rotWithShape="1">
           <a:blip r:embed="rId3"/>
-          <a:srcRect l="3444" t="7086" r="9404"/>
+          <a:srcRect l="3066" t="8800" r="9623"/>
           <a:stretch/>
         </p:blipFill>
         <p:spPr>
           <a:xfrm>
-            <a:off x="0" y="0"/>
-            <a:ext cx="6858000" cy="3655689"/>
+            <a:off x="35035" y="47098"/>
+            <a:ext cx="6822965" cy="3563404"/>
           </a:xfrm>
           <a:prstGeom prst="rect">
             <a:avLst/>
@@ -3459,7 +3459,7 @@
         </p:nvCxnSpPr>
         <p:spPr>
           <a:xfrm>
-            <a:off x="1291226" y="2703317"/>
+            <a:off x="1361861" y="2703317"/>
             <a:ext cx="1809326" cy="0"/>
           </a:xfrm>
           <a:prstGeom prst="straightConnector1">
@@ -3502,7 +3502,7 @@
         </p:nvSpPr>
         <p:spPr>
           <a:xfrm>
-            <a:off x="1581080" y="2430304"/>
+            <a:off x="1637063" y="2420653"/>
             <a:ext cx="1370888" cy="261610"/>
           </a:xfrm>
           <a:prstGeom prst="rect">
@@ -3539,7 +3539,7 @@
         </p:nvCxnSpPr>
         <p:spPr>
           <a:xfrm>
-            <a:off x="1291226" y="3097177"/>
+            <a:off x="1341859" y="3097177"/>
             <a:ext cx="3220218" cy="0"/>
           </a:xfrm>
           <a:prstGeom prst="straightConnector1">
@@ -3582,7 +3582,7 @@
         </p:nvSpPr>
         <p:spPr>
           <a:xfrm>
-            <a:off x="2100154" y="2824163"/>
+            <a:off x="2108313" y="2835567"/>
             <a:ext cx="1370888" cy="261610"/>
           </a:xfrm>
           <a:prstGeom prst="rect">
